--- a/document/三校合同作品説明書.pptx
+++ b/document/三校合同作品説明書.pptx
@@ -171,7 +171,7 @@
           <a:noFill/>
           <a:extLst>
             <a:ext uri="{909E8E84-426E-40dd-AFC4-6F175D3DCCD1}">
-              <a14:hiddenFill xmlns:a14="http://schemas.microsoft.com/office/drawing/2010/main" xmlns="">
+              <a14:hiddenFill xmlns="" xmlns:a14="http://schemas.microsoft.com/office/drawing/2010/main">
                 <a:solidFill>
                   <a:srgbClr val="FFFFFF"/>
                 </a:solidFill>
@@ -231,7 +231,7 @@
             </a:ln>
             <a:extLst>
               <a:ext uri="{91240B29-F687-4f45-9708-019B960494DF}">
-                <a14:hiddenLine xmlns:a14="http://schemas.microsoft.com/office/drawing/2010/main" xmlns="" w="9525">
+                <a14:hiddenLine xmlns="" xmlns:a14="http://schemas.microsoft.com/office/drawing/2010/main" w="9525">
                   <a:solidFill>
                     <a:srgbClr val="000000"/>
                   </a:solidFill>
@@ -321,7 +321,7 @@
             </a:ln>
             <a:extLst>
               <a:ext uri="{91240B29-F687-4f45-9708-019B960494DF}">
-                <a14:hiddenLine xmlns:a14="http://schemas.microsoft.com/office/drawing/2010/main" xmlns="" w="9525">
+                <a14:hiddenLine xmlns="" xmlns:a14="http://schemas.microsoft.com/office/drawing/2010/main" w="9525">
                   <a:solidFill>
                     <a:srgbClr val="000000"/>
                   </a:solidFill>
@@ -411,7 +411,7 @@
             </a:ln>
             <a:extLst>
               <a:ext uri="{91240B29-F687-4f45-9708-019B960494DF}">
-                <a14:hiddenLine xmlns:a14="http://schemas.microsoft.com/office/drawing/2010/main" xmlns="" w="9525">
+                <a14:hiddenLine xmlns="" xmlns:a14="http://schemas.microsoft.com/office/drawing/2010/main" w="9525">
                   <a:solidFill>
                     <a:srgbClr val="000000"/>
                   </a:solidFill>
@@ -445,7 +445,7 @@
             </a:ln>
             <a:extLst>
               <a:ext uri="{91240B29-F687-4f45-9708-019B960494DF}">
-                <a14:hiddenLine xmlns:a14="http://schemas.microsoft.com/office/drawing/2010/main" xmlns="" w="9525">
+                <a14:hiddenLine xmlns="" xmlns:a14="http://schemas.microsoft.com/office/drawing/2010/main" w="9525">
                   <a:solidFill>
                     <a:srgbClr val="000000"/>
                   </a:solidFill>
@@ -535,7 +535,7 @@
             </a:ln>
             <a:extLst>
               <a:ext uri="{91240B29-F687-4f45-9708-019B960494DF}">
-                <a14:hiddenLine xmlns:a14="http://schemas.microsoft.com/office/drawing/2010/main" xmlns="" w="9525">
+                <a14:hiddenLine xmlns="" xmlns:a14="http://schemas.microsoft.com/office/drawing/2010/main" w="9525">
                   <a:solidFill>
                     <a:srgbClr val="000000"/>
                   </a:solidFill>
@@ -597,7 +597,7 @@
             </a:ln>
             <a:extLst>
               <a:ext uri="{91240B29-F687-4f45-9708-019B960494DF}">
-                <a14:hiddenLine xmlns:a14="http://schemas.microsoft.com/office/drawing/2010/main" xmlns="" w="9525">
+                <a14:hiddenLine xmlns="" xmlns:a14="http://schemas.microsoft.com/office/drawing/2010/main" w="9525">
                   <a:solidFill>
                     <a:srgbClr val="000000"/>
                   </a:solidFill>
@@ -659,7 +659,7 @@
             </a:ln>
             <a:extLst>
               <a:ext uri="{91240B29-F687-4f45-9708-019B960494DF}">
-                <a14:hiddenLine xmlns:a14="http://schemas.microsoft.com/office/drawing/2010/main" xmlns="" w="9525">
+                <a14:hiddenLine xmlns="" xmlns:a14="http://schemas.microsoft.com/office/drawing/2010/main" w="9525">
                   <a:solidFill>
                     <a:srgbClr val="000000"/>
                   </a:solidFill>
@@ -749,7 +749,7 @@
             </a:ln>
             <a:extLst>
               <a:ext uri="{91240B29-F687-4f45-9708-019B960494DF}">
-                <a14:hiddenLine xmlns:a14="http://schemas.microsoft.com/office/drawing/2010/main" xmlns="" w="9525">
+                <a14:hiddenLine xmlns="" xmlns:a14="http://schemas.microsoft.com/office/drawing/2010/main" w="9525">
                   <a:solidFill>
                     <a:srgbClr val="000000"/>
                   </a:solidFill>
@@ -811,7 +811,7 @@
             </a:ln>
             <a:extLst>
               <a:ext uri="{91240B29-F687-4f45-9708-019B960494DF}">
-                <a14:hiddenLine xmlns:a14="http://schemas.microsoft.com/office/drawing/2010/main" xmlns="" w="9525">
+                <a14:hiddenLine xmlns="" xmlns:a14="http://schemas.microsoft.com/office/drawing/2010/main" w="9525">
                   <a:solidFill>
                     <a:srgbClr val="000000"/>
                   </a:solidFill>
@@ -873,7 +873,7 @@
             </a:ln>
             <a:extLst>
               <a:ext uri="{91240B29-F687-4f45-9708-019B960494DF}">
-                <a14:hiddenLine xmlns:a14="http://schemas.microsoft.com/office/drawing/2010/main" xmlns="" w="9525">
+                <a14:hiddenLine xmlns="" xmlns:a14="http://schemas.microsoft.com/office/drawing/2010/main" w="9525">
                   <a:solidFill>
                     <a:srgbClr val="000000"/>
                   </a:solidFill>
@@ -963,7 +963,7 @@
             </a:ln>
             <a:extLst>
               <a:ext uri="{91240B29-F687-4f45-9708-019B960494DF}">
-                <a14:hiddenLine xmlns:a14="http://schemas.microsoft.com/office/drawing/2010/main" xmlns="" w="9525">
+                <a14:hiddenLine xmlns="" xmlns:a14="http://schemas.microsoft.com/office/drawing/2010/main" w="9525">
                   <a:solidFill>
                     <a:srgbClr val="000000"/>
                   </a:solidFill>
@@ -1053,7 +1053,7 @@
             </a:ln>
             <a:extLst>
               <a:ext uri="{91240B29-F687-4f45-9708-019B960494DF}">
-                <a14:hiddenLine xmlns:a14="http://schemas.microsoft.com/office/drawing/2010/main" xmlns="" w="9525">
+                <a14:hiddenLine xmlns="" xmlns:a14="http://schemas.microsoft.com/office/drawing/2010/main" w="9525">
                   <a:solidFill>
                     <a:srgbClr val="000000"/>
                   </a:solidFill>
@@ -1115,7 +1115,7 @@
             </a:ln>
             <a:extLst>
               <a:ext uri="{91240B29-F687-4f45-9708-019B960494DF}">
-                <a14:hiddenLine xmlns:a14="http://schemas.microsoft.com/office/drawing/2010/main" xmlns="" w="9525">
+                <a14:hiddenLine xmlns="" xmlns:a14="http://schemas.microsoft.com/office/drawing/2010/main" w="9525">
                   <a:solidFill>
                     <a:srgbClr val="000000"/>
                   </a:solidFill>
@@ -1225,7 +1225,7 @@
             </a:ln>
             <a:extLst>
               <a:ext uri="{91240B29-F687-4f45-9708-019B960494DF}">
-                <a14:hiddenLine xmlns:a14="http://schemas.microsoft.com/office/drawing/2010/main" xmlns="" w="9525">
+                <a14:hiddenLine xmlns="" xmlns:a14="http://schemas.microsoft.com/office/drawing/2010/main" w="9525">
                   <a:solidFill>
                     <a:srgbClr val="000000"/>
                   </a:solidFill>
@@ -1287,7 +1287,7 @@
             </a:ln>
             <a:extLst>
               <a:ext uri="{91240B29-F687-4f45-9708-019B960494DF}">
-                <a14:hiddenLine xmlns:a14="http://schemas.microsoft.com/office/drawing/2010/main" xmlns="" w="9525">
+                <a14:hiddenLine xmlns="" xmlns:a14="http://schemas.microsoft.com/office/drawing/2010/main" w="9525">
                   <a:solidFill>
                     <a:srgbClr val="000000"/>
                   </a:solidFill>
@@ -1377,7 +1377,7 @@
             </a:ln>
             <a:extLst>
               <a:ext uri="{91240B29-F687-4f45-9708-019B960494DF}">
-                <a14:hiddenLine xmlns:a14="http://schemas.microsoft.com/office/drawing/2010/main" xmlns="" w="9525">
+                <a14:hiddenLine xmlns="" xmlns:a14="http://schemas.microsoft.com/office/drawing/2010/main" w="9525">
                   <a:solidFill>
                     <a:srgbClr val="000000"/>
                   </a:solidFill>
@@ -1467,7 +1467,7 @@
             </a:ln>
             <a:extLst>
               <a:ext uri="{91240B29-F687-4f45-9708-019B960494DF}">
-                <a14:hiddenLine xmlns:a14="http://schemas.microsoft.com/office/drawing/2010/main" xmlns="" w="9525">
+                <a14:hiddenLine xmlns="" xmlns:a14="http://schemas.microsoft.com/office/drawing/2010/main" w="9525">
                   <a:solidFill>
                     <a:srgbClr val="000000"/>
                   </a:solidFill>
@@ -1529,7 +1529,7 @@
             </a:ln>
             <a:extLst>
               <a:ext uri="{91240B29-F687-4f45-9708-019B960494DF}">
-                <a14:hiddenLine xmlns:a14="http://schemas.microsoft.com/office/drawing/2010/main" xmlns="" w="9525">
+                <a14:hiddenLine xmlns="" xmlns:a14="http://schemas.microsoft.com/office/drawing/2010/main" w="9525">
                   <a:solidFill>
                     <a:srgbClr val="000000"/>
                   </a:solidFill>
@@ -1619,7 +1619,7 @@
             </a:ln>
             <a:extLst>
               <a:ext uri="{91240B29-F687-4f45-9708-019B960494DF}">
-                <a14:hiddenLine xmlns:a14="http://schemas.microsoft.com/office/drawing/2010/main" xmlns="" w="9525">
+                <a14:hiddenLine xmlns="" xmlns:a14="http://schemas.microsoft.com/office/drawing/2010/main" w="9525">
                   <a:solidFill>
                     <a:srgbClr val="000000"/>
                   </a:solidFill>
@@ -1709,7 +1709,7 @@
             </a:ln>
             <a:extLst>
               <a:ext uri="{91240B29-F687-4f45-9708-019B960494DF}">
-                <a14:hiddenLine xmlns:a14="http://schemas.microsoft.com/office/drawing/2010/main" xmlns="" w="9525">
+                <a14:hiddenLine xmlns="" xmlns:a14="http://schemas.microsoft.com/office/drawing/2010/main" w="9525">
                   <a:solidFill>
                     <a:srgbClr val="000000"/>
                   </a:solidFill>
@@ -1765,7 +1765,7 @@
             </a:ln>
             <a:extLst>
               <a:ext uri="{91240B29-F687-4f45-9708-019B960494DF}">
-                <a14:hiddenLine xmlns:a14="http://schemas.microsoft.com/office/drawing/2010/main" xmlns="" w="9525">
+                <a14:hiddenLine xmlns="" xmlns:a14="http://schemas.microsoft.com/office/drawing/2010/main" w="9525">
                   <a:solidFill>
                     <a:srgbClr val="000000"/>
                   </a:solidFill>
@@ -1855,7 +1855,7 @@
             </a:ln>
             <a:extLst>
               <a:ext uri="{91240B29-F687-4f45-9708-019B960494DF}">
-                <a14:hiddenLine xmlns:a14="http://schemas.microsoft.com/office/drawing/2010/main" xmlns="" w="9525">
+                <a14:hiddenLine xmlns="" xmlns:a14="http://schemas.microsoft.com/office/drawing/2010/main" w="9525">
                   <a:solidFill>
                     <a:srgbClr val="000000"/>
                   </a:solidFill>
@@ -1911,7 +1911,7 @@
             </a:ln>
             <a:extLst>
               <a:ext uri="{91240B29-F687-4f45-9708-019B960494DF}">
-                <a14:hiddenLine xmlns:a14="http://schemas.microsoft.com/office/drawing/2010/main" xmlns="" w="9525">
+                <a14:hiddenLine xmlns="" xmlns:a14="http://schemas.microsoft.com/office/drawing/2010/main" w="9525">
                   <a:solidFill>
                     <a:srgbClr val="000000"/>
                   </a:solidFill>
@@ -2001,7 +2001,7 @@
             </a:ln>
             <a:extLst>
               <a:ext uri="{91240B29-F687-4f45-9708-019B960494DF}">
-                <a14:hiddenLine xmlns:a14="http://schemas.microsoft.com/office/drawing/2010/main" xmlns="" w="9525">
+                <a14:hiddenLine xmlns="" xmlns:a14="http://schemas.microsoft.com/office/drawing/2010/main" w="9525">
                   <a:solidFill>
                     <a:srgbClr val="000000"/>
                   </a:solidFill>
@@ -2069,7 +2069,7 @@
             </a:ln>
             <a:extLst>
               <a:ext uri="{91240B29-F687-4f45-9708-019B960494DF}">
-                <a14:hiddenLine xmlns:a14="http://schemas.microsoft.com/office/drawing/2010/main" xmlns="" w="9525">
+                <a14:hiddenLine xmlns="" xmlns:a14="http://schemas.microsoft.com/office/drawing/2010/main" w="9525">
                   <a:solidFill>
                     <a:srgbClr val="000000"/>
                   </a:solidFill>
@@ -2159,7 +2159,7 @@
             </a:ln>
             <a:extLst>
               <a:ext uri="{91240B29-F687-4f45-9708-019B960494DF}">
-                <a14:hiddenLine xmlns:a14="http://schemas.microsoft.com/office/drawing/2010/main" xmlns="" w="9525">
+                <a14:hiddenLine xmlns="" xmlns:a14="http://schemas.microsoft.com/office/drawing/2010/main" w="9525">
                   <a:solidFill>
                     <a:srgbClr val="000000"/>
                   </a:solidFill>
@@ -2227,7 +2227,7 @@
             </a:ln>
             <a:extLst>
               <a:ext uri="{91240B29-F687-4f45-9708-019B960494DF}">
-                <a14:hiddenLine xmlns:a14="http://schemas.microsoft.com/office/drawing/2010/main" xmlns="" w="9525">
+                <a14:hiddenLine xmlns="" xmlns:a14="http://schemas.microsoft.com/office/drawing/2010/main" w="9525">
                   <a:solidFill>
                     <a:srgbClr val="000000"/>
                   </a:solidFill>
@@ -2317,7 +2317,7 @@
             </a:ln>
             <a:extLst>
               <a:ext uri="{91240B29-F687-4f45-9708-019B960494DF}">
-                <a14:hiddenLine xmlns:a14="http://schemas.microsoft.com/office/drawing/2010/main" xmlns="" w="9525">
+                <a14:hiddenLine xmlns="" xmlns:a14="http://schemas.microsoft.com/office/drawing/2010/main" w="9525">
                   <a:solidFill>
                     <a:srgbClr val="000000"/>
                   </a:solidFill>
@@ -2351,7 +2351,7 @@
             </a:ln>
             <a:extLst>
               <a:ext uri="{91240B29-F687-4f45-9708-019B960494DF}">
-                <a14:hiddenLine xmlns:a14="http://schemas.microsoft.com/office/drawing/2010/main" xmlns="" w="9525">
+                <a14:hiddenLine xmlns="" xmlns:a14="http://schemas.microsoft.com/office/drawing/2010/main" w="9525">
                   <a:solidFill>
                     <a:srgbClr val="000000"/>
                   </a:solidFill>
@@ -2441,7 +2441,7 @@
             </a:ln>
             <a:extLst>
               <a:ext uri="{91240B29-F687-4f45-9708-019B960494DF}">
-                <a14:hiddenLine xmlns:a14="http://schemas.microsoft.com/office/drawing/2010/main" xmlns="" w="9525">
+                <a14:hiddenLine xmlns="" xmlns:a14="http://schemas.microsoft.com/office/drawing/2010/main" w="9525">
                   <a:solidFill>
                     <a:srgbClr val="000000"/>
                   </a:solidFill>
@@ -2503,7 +2503,7 @@
             </a:ln>
             <a:extLst>
               <a:ext uri="{91240B29-F687-4f45-9708-019B960494DF}">
-                <a14:hiddenLine xmlns:a14="http://schemas.microsoft.com/office/drawing/2010/main" xmlns="" w="9525">
+                <a14:hiddenLine xmlns="" xmlns:a14="http://schemas.microsoft.com/office/drawing/2010/main" w="9525">
                   <a:solidFill>
                     <a:srgbClr val="000000"/>
                   </a:solidFill>
@@ -2565,7 +2565,7 @@
             </a:ln>
             <a:extLst>
               <a:ext uri="{91240B29-F687-4f45-9708-019B960494DF}">
-                <a14:hiddenLine xmlns:a14="http://schemas.microsoft.com/office/drawing/2010/main" xmlns="" w="9525">
+                <a14:hiddenLine xmlns="" xmlns:a14="http://schemas.microsoft.com/office/drawing/2010/main" w="9525">
                   <a:solidFill>
                     <a:srgbClr val="000000"/>
                   </a:solidFill>
@@ -2655,7 +2655,7 @@
             </a:ln>
             <a:extLst>
               <a:ext uri="{91240B29-F687-4f45-9708-019B960494DF}">
-                <a14:hiddenLine xmlns:a14="http://schemas.microsoft.com/office/drawing/2010/main" xmlns="" w="9525">
+                <a14:hiddenLine xmlns="" xmlns:a14="http://schemas.microsoft.com/office/drawing/2010/main" w="9525">
                   <a:solidFill>
                     <a:srgbClr val="000000"/>
                   </a:solidFill>
@@ -2723,7 +2723,7 @@
             </a:ln>
             <a:extLst>
               <a:ext uri="{91240B29-F687-4f45-9708-019B960494DF}">
-                <a14:hiddenLine xmlns:a14="http://schemas.microsoft.com/office/drawing/2010/main" xmlns="" w="9525">
+                <a14:hiddenLine xmlns="" xmlns:a14="http://schemas.microsoft.com/office/drawing/2010/main" w="9525">
                   <a:solidFill>
                     <a:srgbClr val="000000"/>
                   </a:solidFill>
@@ -2785,7 +2785,7 @@
             </a:ln>
             <a:extLst>
               <a:ext uri="{91240B29-F687-4f45-9708-019B960494DF}">
-                <a14:hiddenLine xmlns:a14="http://schemas.microsoft.com/office/drawing/2010/main" xmlns="" w="9525">
+                <a14:hiddenLine xmlns="" xmlns:a14="http://schemas.microsoft.com/office/drawing/2010/main" w="9525">
                   <a:solidFill>
                     <a:srgbClr val="000000"/>
                   </a:solidFill>
@@ -2875,7 +2875,7 @@
             </a:ln>
             <a:extLst>
               <a:ext uri="{91240B29-F687-4f45-9708-019B960494DF}">
-                <a14:hiddenLine xmlns:a14="http://schemas.microsoft.com/office/drawing/2010/main" xmlns="" w="9525">
+                <a14:hiddenLine xmlns="" xmlns:a14="http://schemas.microsoft.com/office/drawing/2010/main" w="9525">
                   <a:solidFill>
                     <a:srgbClr val="000000"/>
                   </a:solidFill>
@@ -2937,7 +2937,7 @@
             </a:ln>
             <a:extLst>
               <a:ext uri="{91240B29-F687-4f45-9708-019B960494DF}">
-                <a14:hiddenLine xmlns:a14="http://schemas.microsoft.com/office/drawing/2010/main" xmlns="" w="9525">
+                <a14:hiddenLine xmlns="" xmlns:a14="http://schemas.microsoft.com/office/drawing/2010/main" w="9525">
                   <a:solidFill>
                     <a:srgbClr val="000000"/>
                   </a:solidFill>
@@ -3027,7 +3027,7 @@
             </a:ln>
             <a:extLst>
               <a:ext uri="{91240B29-F687-4f45-9708-019B960494DF}">
-                <a14:hiddenLine xmlns:a14="http://schemas.microsoft.com/office/drawing/2010/main" xmlns="" w="9525">
+                <a14:hiddenLine xmlns="" xmlns:a14="http://schemas.microsoft.com/office/drawing/2010/main" w="9525">
                   <a:solidFill>
                     <a:srgbClr val="000000"/>
                   </a:solidFill>
@@ -3089,7 +3089,7 @@
             </a:ln>
             <a:extLst>
               <a:ext uri="{91240B29-F687-4f45-9708-019B960494DF}">
-                <a14:hiddenLine xmlns:a14="http://schemas.microsoft.com/office/drawing/2010/main" xmlns="" w="9525">
+                <a14:hiddenLine xmlns="" xmlns:a14="http://schemas.microsoft.com/office/drawing/2010/main" w="9525">
                   <a:solidFill>
                     <a:srgbClr val="000000"/>
                   </a:solidFill>
@@ -3179,7 +3179,7 @@
             </a:ln>
             <a:extLst>
               <a:ext uri="{91240B29-F687-4f45-9708-019B960494DF}">
-                <a14:hiddenLine xmlns:a14="http://schemas.microsoft.com/office/drawing/2010/main" xmlns="" w="9525">
+                <a14:hiddenLine xmlns="" xmlns:a14="http://schemas.microsoft.com/office/drawing/2010/main" w="9525">
                   <a:solidFill>
                     <a:srgbClr val="000000"/>
                   </a:solidFill>
@@ -3213,7 +3213,7 @@
             </a:ln>
             <a:extLst>
               <a:ext uri="{91240B29-F687-4f45-9708-019B960494DF}">
-                <a14:hiddenLine xmlns:a14="http://schemas.microsoft.com/office/drawing/2010/main" xmlns="" w="9525">
+                <a14:hiddenLine xmlns="" xmlns:a14="http://schemas.microsoft.com/office/drawing/2010/main" w="9525">
                   <a:solidFill>
                     <a:srgbClr val="000000"/>
                   </a:solidFill>
@@ -3278,7 +3278,7 @@
             </a:ln>
             <a:extLst>
               <a:ext uri="{91240B29-F687-4f45-9708-019B960494DF}">
-                <a14:hiddenLine xmlns:a14="http://schemas.microsoft.com/office/drawing/2010/main" xmlns="" w="9525">
+                <a14:hiddenLine xmlns="" xmlns:a14="http://schemas.microsoft.com/office/drawing/2010/main" w="9525">
                   <a:solidFill>
                     <a:srgbClr val="000000"/>
                   </a:solidFill>
@@ -3368,7 +3368,7 @@
             </a:ln>
             <a:extLst>
               <a:ext uri="{91240B29-F687-4f45-9708-019B960494DF}">
-                <a14:hiddenLine xmlns:a14="http://schemas.microsoft.com/office/drawing/2010/main" xmlns="" w="9525">
+                <a14:hiddenLine xmlns="" xmlns:a14="http://schemas.microsoft.com/office/drawing/2010/main" w="9525">
                   <a:solidFill>
                     <a:srgbClr val="000000"/>
                   </a:solidFill>
@@ -3430,7 +3430,7 @@
             </a:ln>
             <a:extLst>
               <a:ext uri="{91240B29-F687-4f45-9708-019B960494DF}">
-                <a14:hiddenLine xmlns:a14="http://schemas.microsoft.com/office/drawing/2010/main" xmlns="" w="9525">
+                <a14:hiddenLine xmlns="" xmlns:a14="http://schemas.microsoft.com/office/drawing/2010/main" w="9525">
                   <a:solidFill>
                     <a:srgbClr val="000000"/>
                   </a:solidFill>
@@ -3520,7 +3520,7 @@
             </a:ln>
             <a:extLst>
               <a:ext uri="{91240B29-F687-4f45-9708-019B960494DF}">
-                <a14:hiddenLine xmlns:a14="http://schemas.microsoft.com/office/drawing/2010/main" xmlns="" w="9525">
+                <a14:hiddenLine xmlns="" xmlns:a14="http://schemas.microsoft.com/office/drawing/2010/main" w="9525">
                   <a:solidFill>
                     <a:srgbClr val="000000"/>
                   </a:solidFill>
@@ -3610,7 +3610,7 @@
             </a:ln>
             <a:extLst>
               <a:ext uri="{91240B29-F687-4f45-9708-019B960494DF}">
-                <a14:hiddenLine xmlns:a14="http://schemas.microsoft.com/office/drawing/2010/main" xmlns="" w="9525">
+                <a14:hiddenLine xmlns="" xmlns:a14="http://schemas.microsoft.com/office/drawing/2010/main" w="9525">
                   <a:solidFill>
                     <a:srgbClr val="000000"/>
                   </a:solidFill>
@@ -3675,7 +3675,7 @@
             </a:ln>
             <a:extLst>
               <a:ext uri="{91240B29-F687-4f45-9708-019B960494DF}">
-                <a14:hiddenLine xmlns:a14="http://schemas.microsoft.com/office/drawing/2010/main" xmlns="" w="9525">
+                <a14:hiddenLine xmlns="" xmlns:a14="http://schemas.microsoft.com/office/drawing/2010/main" w="9525">
                   <a:solidFill>
                     <a:srgbClr val="000000"/>
                   </a:solidFill>
@@ -3737,7 +3737,7 @@
             </a:ln>
             <a:extLst>
               <a:ext uri="{91240B29-F687-4f45-9708-019B960494DF}">
-                <a14:hiddenLine xmlns:a14="http://schemas.microsoft.com/office/drawing/2010/main" xmlns="" w="9525">
+                <a14:hiddenLine xmlns="" xmlns:a14="http://schemas.microsoft.com/office/drawing/2010/main" w="9525">
                   <a:solidFill>
                     <a:srgbClr val="000000"/>
                   </a:solidFill>
@@ -3827,7 +3827,7 @@
             </a:ln>
             <a:extLst>
               <a:ext uri="{91240B29-F687-4f45-9708-019B960494DF}">
-                <a14:hiddenLine xmlns:a14="http://schemas.microsoft.com/office/drawing/2010/main" xmlns="" w="9525">
+                <a14:hiddenLine xmlns="" xmlns:a14="http://schemas.microsoft.com/office/drawing/2010/main" w="9525">
                   <a:solidFill>
                     <a:srgbClr val="000000"/>
                   </a:solidFill>
@@ -3917,7 +3917,7 @@
             </a:ln>
             <a:extLst>
               <a:ext uri="{91240B29-F687-4f45-9708-019B960494DF}">
-                <a14:hiddenLine xmlns:a14="http://schemas.microsoft.com/office/drawing/2010/main" xmlns="" w="9525">
+                <a14:hiddenLine xmlns="" xmlns:a14="http://schemas.microsoft.com/office/drawing/2010/main" w="9525">
                   <a:solidFill>
                     <a:srgbClr val="000000"/>
                   </a:solidFill>
@@ -3979,7 +3979,7 @@
             </a:ln>
             <a:extLst>
               <a:ext uri="{91240B29-F687-4f45-9708-019B960494DF}">
-                <a14:hiddenLine xmlns:a14="http://schemas.microsoft.com/office/drawing/2010/main" xmlns="" w="9525">
+                <a14:hiddenLine xmlns="" xmlns:a14="http://schemas.microsoft.com/office/drawing/2010/main" w="9525">
                   <a:solidFill>
                     <a:srgbClr val="000000"/>
                   </a:solidFill>
@@ -4099,7 +4099,7 @@
             </a:ln>
             <a:extLst>
               <a:ext uri="{91240B29-F687-4f45-9708-019B960494DF}">
-                <a14:hiddenLine xmlns:a14="http://schemas.microsoft.com/office/drawing/2010/main" xmlns="" w="9525">
+                <a14:hiddenLine xmlns="" xmlns:a14="http://schemas.microsoft.com/office/drawing/2010/main" w="9525">
                   <a:solidFill>
                     <a:srgbClr val="000000"/>
                   </a:solidFill>
@@ -4167,7 +4167,7 @@
             </a:ln>
             <a:extLst>
               <a:ext uri="{91240B29-F687-4f45-9708-019B960494DF}">
-                <a14:hiddenLine xmlns:a14="http://schemas.microsoft.com/office/drawing/2010/main" xmlns="" w="9525">
+                <a14:hiddenLine xmlns="" xmlns:a14="http://schemas.microsoft.com/office/drawing/2010/main" w="9525">
                   <a:solidFill>
                     <a:srgbClr val="000000"/>
                   </a:solidFill>
@@ -4257,7 +4257,7 @@
             </a:ln>
             <a:extLst>
               <a:ext uri="{91240B29-F687-4f45-9708-019B960494DF}">
-                <a14:hiddenLine xmlns:a14="http://schemas.microsoft.com/office/drawing/2010/main" xmlns="" w="9525">
+                <a14:hiddenLine xmlns="" xmlns:a14="http://schemas.microsoft.com/office/drawing/2010/main" w="9525">
                   <a:solidFill>
                     <a:srgbClr val="000000"/>
                   </a:solidFill>
@@ -9328,7 +9328,7 @@
           <a:noFill/>
           <a:extLst>
             <a:ext uri="{909E8E84-426E-40dd-AFC4-6F175D3DCCD1}">
-              <a14:hiddenFill xmlns:a14="http://schemas.microsoft.com/office/drawing/2010/main" xmlns="">
+              <a14:hiddenFill xmlns="" xmlns:a14="http://schemas.microsoft.com/office/drawing/2010/main">
                 <a:solidFill>
                   <a:srgbClr val="FFFFFF"/>
                 </a:solidFill>
@@ -9402,7 +9402,7 @@
               </a:ln>
               <a:extLst>
                 <a:ext uri="{91240B29-F687-4f45-9708-019B960494DF}">
-                  <a14:hiddenLine xmlns:a14="http://schemas.microsoft.com/office/drawing/2010/main" xmlns="" w="9525">
+                  <a14:hiddenLine xmlns="" xmlns:a14="http://schemas.microsoft.com/office/drawing/2010/main" w="9525">
                     <a:solidFill>
                       <a:srgbClr val="000000"/>
                     </a:solidFill>
@@ -9492,7 +9492,7 @@
               </a:ln>
               <a:extLst>
                 <a:ext uri="{91240B29-F687-4f45-9708-019B960494DF}">
-                  <a14:hiddenLine xmlns:a14="http://schemas.microsoft.com/office/drawing/2010/main" xmlns="" w="9525">
+                  <a14:hiddenLine xmlns="" xmlns:a14="http://schemas.microsoft.com/office/drawing/2010/main" w="9525">
                     <a:solidFill>
                       <a:srgbClr val="000000"/>
                     </a:solidFill>
@@ -9582,7 +9582,7 @@
               </a:ln>
               <a:extLst>
                 <a:ext uri="{91240B29-F687-4f45-9708-019B960494DF}">
-                  <a14:hiddenLine xmlns:a14="http://schemas.microsoft.com/office/drawing/2010/main" xmlns="" w="9525">
+                  <a14:hiddenLine xmlns="" xmlns:a14="http://schemas.microsoft.com/office/drawing/2010/main" w="9525">
                     <a:solidFill>
                       <a:srgbClr val="000000"/>
                     </a:solidFill>
@@ -9644,7 +9644,7 @@
               </a:ln>
               <a:extLst>
                 <a:ext uri="{91240B29-F687-4f45-9708-019B960494DF}">
-                  <a14:hiddenLine xmlns:a14="http://schemas.microsoft.com/office/drawing/2010/main" xmlns="" w="9525">
+                  <a14:hiddenLine xmlns="" xmlns:a14="http://schemas.microsoft.com/office/drawing/2010/main" w="9525">
                     <a:solidFill>
                       <a:srgbClr val="000000"/>
                     </a:solidFill>
@@ -9734,7 +9734,7 @@
               </a:ln>
               <a:extLst>
                 <a:ext uri="{91240B29-F687-4f45-9708-019B960494DF}">
-                  <a14:hiddenLine xmlns:a14="http://schemas.microsoft.com/office/drawing/2010/main" xmlns="" w="9525">
+                  <a14:hiddenLine xmlns="" xmlns:a14="http://schemas.microsoft.com/office/drawing/2010/main" w="9525">
                     <a:solidFill>
                       <a:srgbClr val="000000"/>
                     </a:solidFill>
@@ -9796,7 +9796,7 @@
               </a:ln>
               <a:extLst>
                 <a:ext uri="{91240B29-F687-4f45-9708-019B960494DF}">
-                  <a14:hiddenLine xmlns:a14="http://schemas.microsoft.com/office/drawing/2010/main" xmlns="" w="9525">
+                  <a14:hiddenLine xmlns="" xmlns:a14="http://schemas.microsoft.com/office/drawing/2010/main" w="9525">
                     <a:solidFill>
                       <a:srgbClr val="000000"/>
                     </a:solidFill>
@@ -9858,7 +9858,7 @@
               </a:ln>
               <a:extLst>
                 <a:ext uri="{91240B29-F687-4f45-9708-019B960494DF}">
-                  <a14:hiddenLine xmlns:a14="http://schemas.microsoft.com/office/drawing/2010/main" xmlns="" w="9525">
+                  <a14:hiddenLine xmlns="" xmlns:a14="http://schemas.microsoft.com/office/drawing/2010/main" w="9525">
                     <a:solidFill>
                       <a:srgbClr val="000000"/>
                     </a:solidFill>
@@ -9948,7 +9948,7 @@
               </a:ln>
               <a:extLst>
                 <a:ext uri="{91240B29-F687-4f45-9708-019B960494DF}">
-                  <a14:hiddenLine xmlns:a14="http://schemas.microsoft.com/office/drawing/2010/main" xmlns="" w="9525">
+                  <a14:hiddenLine xmlns="" xmlns:a14="http://schemas.microsoft.com/office/drawing/2010/main" w="9525">
                     <a:solidFill>
                       <a:srgbClr val="000000"/>
                     </a:solidFill>
@@ -10038,7 +10038,7 @@
               </a:ln>
               <a:extLst>
                 <a:ext uri="{91240B29-F687-4f45-9708-019B960494DF}">
-                  <a14:hiddenLine xmlns:a14="http://schemas.microsoft.com/office/drawing/2010/main" xmlns="" w="9525">
+                  <a14:hiddenLine xmlns="" xmlns:a14="http://schemas.microsoft.com/office/drawing/2010/main" w="9525">
                     <a:solidFill>
                       <a:srgbClr val="000000"/>
                     </a:solidFill>
@@ -10100,7 +10100,7 @@
               </a:ln>
               <a:extLst>
                 <a:ext uri="{91240B29-F687-4f45-9708-019B960494DF}">
-                  <a14:hiddenLine xmlns:a14="http://schemas.microsoft.com/office/drawing/2010/main" xmlns="" w="9525">
+                  <a14:hiddenLine xmlns="" xmlns:a14="http://schemas.microsoft.com/office/drawing/2010/main" w="9525">
                     <a:solidFill>
                       <a:srgbClr val="000000"/>
                     </a:solidFill>
@@ -10210,7 +10210,7 @@
               </a:ln>
               <a:extLst>
                 <a:ext uri="{91240B29-F687-4f45-9708-019B960494DF}">
-                  <a14:hiddenLine xmlns:a14="http://schemas.microsoft.com/office/drawing/2010/main" xmlns="" w="9525">
+                  <a14:hiddenLine xmlns="" xmlns:a14="http://schemas.microsoft.com/office/drawing/2010/main" w="9525">
                     <a:solidFill>
                       <a:srgbClr val="000000"/>
                     </a:solidFill>
@@ -10294,7 +10294,7 @@
               </a:ln>
               <a:extLst>
                 <a:ext uri="{91240B29-F687-4f45-9708-019B960494DF}">
-                  <a14:hiddenLine xmlns:a14="http://schemas.microsoft.com/office/drawing/2010/main" xmlns="" w="9525">
+                  <a14:hiddenLine xmlns="" xmlns:a14="http://schemas.microsoft.com/office/drawing/2010/main" w="9525">
                     <a:solidFill>
                       <a:srgbClr val="000000"/>
                     </a:solidFill>
@@ -10356,7 +10356,7 @@
               </a:ln>
               <a:extLst>
                 <a:ext uri="{91240B29-F687-4f45-9708-019B960494DF}">
-                  <a14:hiddenLine xmlns:a14="http://schemas.microsoft.com/office/drawing/2010/main" xmlns="" w="9525">
+                  <a14:hiddenLine xmlns="" xmlns:a14="http://schemas.microsoft.com/office/drawing/2010/main" w="9525">
                     <a:solidFill>
                       <a:srgbClr val="000000"/>
                     </a:solidFill>
@@ -10418,7 +10418,7 @@
               </a:ln>
               <a:extLst>
                 <a:ext uri="{91240B29-F687-4f45-9708-019B960494DF}">
-                  <a14:hiddenLine xmlns:a14="http://schemas.microsoft.com/office/drawing/2010/main" xmlns="" w="9525">
+                  <a14:hiddenLine xmlns="" xmlns:a14="http://schemas.microsoft.com/office/drawing/2010/main" w="9525">
                     <a:solidFill>
                       <a:srgbClr val="000000"/>
                     </a:solidFill>
@@ -10508,7 +10508,7 @@
               </a:ln>
               <a:extLst>
                 <a:ext uri="{91240B29-F687-4f45-9708-019B960494DF}">
-                  <a14:hiddenLine xmlns:a14="http://schemas.microsoft.com/office/drawing/2010/main" xmlns="" w="9525">
+                  <a14:hiddenLine xmlns="" xmlns:a14="http://schemas.microsoft.com/office/drawing/2010/main" w="9525">
                     <a:solidFill>
                       <a:srgbClr val="000000"/>
                     </a:solidFill>
@@ -10542,7 +10542,7 @@
               </a:ln>
               <a:extLst>
                 <a:ext uri="{91240B29-F687-4f45-9708-019B960494DF}">
-                  <a14:hiddenLine xmlns:a14="http://schemas.microsoft.com/office/drawing/2010/main" xmlns="" w="9525">
+                  <a14:hiddenLine xmlns="" xmlns:a14="http://schemas.microsoft.com/office/drawing/2010/main" w="9525">
                     <a:solidFill>
                       <a:srgbClr val="000000"/>
                     </a:solidFill>
@@ -10607,7 +10607,7 @@
               </a:ln>
               <a:extLst>
                 <a:ext uri="{91240B29-F687-4f45-9708-019B960494DF}">
-                  <a14:hiddenLine xmlns:a14="http://schemas.microsoft.com/office/drawing/2010/main" xmlns="" w="9525">
+                  <a14:hiddenLine xmlns="" xmlns:a14="http://schemas.microsoft.com/office/drawing/2010/main" w="9525">
                     <a:solidFill>
                       <a:srgbClr val="000000"/>
                     </a:solidFill>
@@ -10697,7 +10697,7 @@
               </a:ln>
               <a:extLst>
                 <a:ext uri="{91240B29-F687-4f45-9708-019B960494DF}">
-                  <a14:hiddenLine xmlns:a14="http://schemas.microsoft.com/office/drawing/2010/main" xmlns="" w="9525">
+                  <a14:hiddenLine xmlns="" xmlns:a14="http://schemas.microsoft.com/office/drawing/2010/main" w="9525">
                     <a:solidFill>
                       <a:srgbClr val="000000"/>
                     </a:solidFill>
@@ -10759,7 +10759,7 @@
               </a:ln>
               <a:extLst>
                 <a:ext uri="{91240B29-F687-4f45-9708-019B960494DF}">
-                  <a14:hiddenLine xmlns:a14="http://schemas.microsoft.com/office/drawing/2010/main" xmlns="" w="9525">
+                  <a14:hiddenLine xmlns="" xmlns:a14="http://schemas.microsoft.com/office/drawing/2010/main" w="9525">
                     <a:solidFill>
                       <a:srgbClr val="000000"/>
                     </a:solidFill>
@@ -10849,7 +10849,7 @@
               </a:ln>
               <a:extLst>
                 <a:ext uri="{91240B29-F687-4f45-9708-019B960494DF}">
-                  <a14:hiddenLine xmlns:a14="http://schemas.microsoft.com/office/drawing/2010/main" xmlns="" w="9525">
+                  <a14:hiddenLine xmlns="" xmlns:a14="http://schemas.microsoft.com/office/drawing/2010/main" w="9525">
                     <a:solidFill>
                       <a:srgbClr val="000000"/>
                     </a:solidFill>
@@ -10914,7 +10914,7 @@
               </a:ln>
               <a:extLst>
                 <a:ext uri="{91240B29-F687-4f45-9708-019B960494DF}">
-                  <a14:hiddenLine xmlns:a14="http://schemas.microsoft.com/office/drawing/2010/main" xmlns="" w="9525">
+                  <a14:hiddenLine xmlns="" xmlns:a14="http://schemas.microsoft.com/office/drawing/2010/main" w="9525">
                     <a:solidFill>
                       <a:srgbClr val="000000"/>
                     </a:solidFill>
@@ -10976,7 +10976,7 @@
               </a:ln>
               <a:extLst>
                 <a:ext uri="{91240B29-F687-4f45-9708-019B960494DF}">
-                  <a14:hiddenLine xmlns:a14="http://schemas.microsoft.com/office/drawing/2010/main" xmlns="" w="9525">
+                  <a14:hiddenLine xmlns="" xmlns:a14="http://schemas.microsoft.com/office/drawing/2010/main" w="9525">
                     <a:solidFill>
                       <a:srgbClr val="000000"/>
                     </a:solidFill>
@@ -11066,7 +11066,7 @@
               </a:ln>
               <a:extLst>
                 <a:ext uri="{91240B29-F687-4f45-9708-019B960494DF}">
-                  <a14:hiddenLine xmlns:a14="http://schemas.microsoft.com/office/drawing/2010/main" xmlns="" w="9525">
+                  <a14:hiddenLine xmlns="" xmlns:a14="http://schemas.microsoft.com/office/drawing/2010/main" w="9525">
                     <a:solidFill>
                       <a:srgbClr val="000000"/>
                     </a:solidFill>
@@ -11156,7 +11156,7 @@
               </a:ln>
               <a:extLst>
                 <a:ext uri="{91240B29-F687-4f45-9708-019B960494DF}">
-                  <a14:hiddenLine xmlns:a14="http://schemas.microsoft.com/office/drawing/2010/main" xmlns="" w="9525">
+                  <a14:hiddenLine xmlns="" xmlns:a14="http://schemas.microsoft.com/office/drawing/2010/main" w="9525">
                     <a:solidFill>
                       <a:srgbClr val="000000"/>
                     </a:solidFill>
@@ -11221,7 +11221,7 @@
               </a:ln>
               <a:extLst>
                 <a:ext uri="{91240B29-F687-4f45-9708-019B960494DF}">
-                  <a14:hiddenLine xmlns:a14="http://schemas.microsoft.com/office/drawing/2010/main" xmlns="" w="9525">
+                  <a14:hiddenLine xmlns="" xmlns:a14="http://schemas.microsoft.com/office/drawing/2010/main" w="9525">
                     <a:solidFill>
                       <a:srgbClr val="000000"/>
                     </a:solidFill>
@@ -11341,7 +11341,7 @@
               </a:ln>
               <a:extLst>
                 <a:ext uri="{91240B29-F687-4f45-9708-019B960494DF}">
-                  <a14:hiddenLine xmlns:a14="http://schemas.microsoft.com/office/drawing/2010/main" xmlns="" w="9525">
+                  <a14:hiddenLine xmlns="" xmlns:a14="http://schemas.microsoft.com/office/drawing/2010/main" w="9525">
                     <a:solidFill>
                       <a:srgbClr val="000000"/>
                     </a:solidFill>
@@ -11439,7 +11439,7 @@
               </a:ln>
               <a:extLst>
                 <a:ext uri="{91240B29-F687-4f45-9708-019B960494DF}">
-                  <a14:hiddenLine xmlns:a14="http://schemas.microsoft.com/office/drawing/2010/main" xmlns="" w="9525">
+                  <a14:hiddenLine xmlns="" xmlns:a14="http://schemas.microsoft.com/office/drawing/2010/main" w="9525">
                     <a:solidFill>
                       <a:srgbClr val="000000"/>
                     </a:solidFill>
@@ -11554,7 +11554,7 @@
               </a:ln>
               <a:extLst>
                 <a:ext uri="{91240B29-F687-4f45-9708-019B960494DF}">
-                  <a14:hiddenLine xmlns:a14="http://schemas.microsoft.com/office/drawing/2010/main" xmlns="" w="9525">
+                  <a14:hiddenLine xmlns="" xmlns:a14="http://schemas.microsoft.com/office/drawing/2010/main" w="9525">
                     <a:solidFill>
                       <a:srgbClr val="000000"/>
                     </a:solidFill>
@@ -11644,7 +11644,7 @@
               </a:ln>
               <a:extLst>
                 <a:ext uri="{91240B29-F687-4f45-9708-019B960494DF}">
-                  <a14:hiddenLine xmlns:a14="http://schemas.microsoft.com/office/drawing/2010/main" xmlns="" w="9525">
+                  <a14:hiddenLine xmlns="" xmlns:a14="http://schemas.microsoft.com/office/drawing/2010/main" w="9525">
                     <a:solidFill>
                       <a:srgbClr val="000000"/>
                     </a:solidFill>
@@ -11709,7 +11709,7 @@
               </a:ln>
               <a:extLst>
                 <a:ext uri="{91240B29-F687-4f45-9708-019B960494DF}">
-                  <a14:hiddenLine xmlns:a14="http://schemas.microsoft.com/office/drawing/2010/main" xmlns="" w="9525">
+                  <a14:hiddenLine xmlns="" xmlns:a14="http://schemas.microsoft.com/office/drawing/2010/main" w="9525">
                     <a:solidFill>
                       <a:srgbClr val="000000"/>
                     </a:solidFill>
@@ -11799,7 +11799,7 @@
               </a:ln>
               <a:extLst>
                 <a:ext uri="{91240B29-F687-4f45-9708-019B960494DF}">
-                  <a14:hiddenLine xmlns:a14="http://schemas.microsoft.com/office/drawing/2010/main" xmlns="" w="9525">
+                  <a14:hiddenLine xmlns="" xmlns:a14="http://schemas.microsoft.com/office/drawing/2010/main" w="9525">
                     <a:solidFill>
                       <a:srgbClr val="000000"/>
                     </a:solidFill>
@@ -11867,7 +11867,7 @@
               </a:ln>
               <a:extLst>
                 <a:ext uri="{91240B29-F687-4f45-9708-019B960494DF}">
-                  <a14:hiddenLine xmlns:a14="http://schemas.microsoft.com/office/drawing/2010/main" xmlns="" w="9525">
+                  <a14:hiddenLine xmlns="" xmlns:a14="http://schemas.microsoft.com/office/drawing/2010/main" w="9525">
                     <a:solidFill>
                       <a:srgbClr val="000000"/>
                     </a:solidFill>
@@ -11957,7 +11957,7 @@
               </a:ln>
               <a:extLst>
                 <a:ext uri="{91240B29-F687-4f45-9708-019B960494DF}">
-                  <a14:hiddenLine xmlns:a14="http://schemas.microsoft.com/office/drawing/2010/main" xmlns="" w="9525">
+                  <a14:hiddenLine xmlns="" xmlns:a14="http://schemas.microsoft.com/office/drawing/2010/main" w="9525">
                     <a:solidFill>
                       <a:srgbClr val="000000"/>
                     </a:solidFill>
@@ -12025,7 +12025,7 @@
               </a:ln>
               <a:extLst>
                 <a:ext uri="{91240B29-F687-4f45-9708-019B960494DF}">
-                  <a14:hiddenLine xmlns:a14="http://schemas.microsoft.com/office/drawing/2010/main" xmlns="" w="9525">
+                  <a14:hiddenLine xmlns="" xmlns:a14="http://schemas.microsoft.com/office/drawing/2010/main" w="9525">
                     <a:solidFill>
                       <a:srgbClr val="000000"/>
                     </a:solidFill>
@@ -12115,7 +12115,7 @@
               </a:ln>
               <a:extLst>
                 <a:ext uri="{91240B29-F687-4f45-9708-019B960494DF}">
-                  <a14:hiddenLine xmlns:a14="http://schemas.microsoft.com/office/drawing/2010/main" xmlns="" w="9525">
+                  <a14:hiddenLine xmlns="" xmlns:a14="http://schemas.microsoft.com/office/drawing/2010/main" w="9525">
                     <a:solidFill>
                       <a:srgbClr val="000000"/>
                     </a:solidFill>
@@ -12149,7 +12149,7 @@
               </a:ln>
               <a:extLst>
                 <a:ext uri="{91240B29-F687-4f45-9708-019B960494DF}">
-                  <a14:hiddenLine xmlns:a14="http://schemas.microsoft.com/office/drawing/2010/main" xmlns="" w="9525">
+                  <a14:hiddenLine xmlns="" xmlns:a14="http://schemas.microsoft.com/office/drawing/2010/main" w="9525">
                     <a:solidFill>
                       <a:srgbClr val="000000"/>
                     </a:solidFill>
@@ -12755,6 +12755,9 @@
           <a:prstGeom prst="rect">
             <a:avLst/>
           </a:prstGeom>
+          <a:solidFill>
+            <a:schemeClr val="bg1"/>
+          </a:solidFill>
         </p:spPr>
         <p:style>
           <a:lnRef idx="2">
@@ -12778,36 +12781,6 @@
           <a:p>
             <a:pPr algn="ctr"/>
             <a:endParaRPr kumimoji="1" lang="ja-JP" altLang="en-US"/>
-          </a:p>
-        </p:txBody>
-      </p:sp>
-      <p:sp>
-        <p:nvSpPr>
-          <p:cNvPr id="5" name="テキスト ボックス 4"/>
-          <p:cNvSpPr txBox="1"/>
-          <p:nvPr/>
-        </p:nvSpPr>
-        <p:spPr>
-          <a:xfrm>
-            <a:off x="3015550" y="4791660"/>
-            <a:ext cx="1775418" cy="369332"/>
-          </a:xfrm>
-          <a:prstGeom prst="rect">
-            <a:avLst/>
-          </a:prstGeom>
-          <a:noFill/>
-        </p:spPr>
-        <p:txBody>
-          <a:bodyPr wrap="square" rtlCol="0">
-            <a:spAutoFit/>
-          </a:bodyPr>
-          <a:lstStyle/>
-          <a:p>
-            <a:r>
-              <a:rPr kumimoji="1" lang="ja-JP" altLang="en-US" dirty="0" smtClean="0"/>
-              <a:t>タイトル画面</a:t>
-            </a:r>
-            <a:endParaRPr kumimoji="1" lang="ja-JP" altLang="en-US" dirty="0"/>
           </a:p>
         </p:txBody>
       </p:sp>
@@ -12955,6 +12928,36 @@
           </a:p>
         </p:txBody>
       </p:sp>
+      <p:pic>
+        <p:nvPicPr>
+          <p:cNvPr id="2" name="図 1"/>
+          <p:cNvPicPr>
+            <a:picLocks noChangeAspect="1"/>
+          </p:cNvPicPr>
+          <p:nvPr/>
+        </p:nvPicPr>
+        <p:blipFill>
+          <a:blip r:embed="rId2" cstate="print">
+            <a:extLst>
+              <a:ext uri="{28A0092B-C50C-407E-A947-70E740481C1C}">
+                <a14:useLocalDpi xmlns:a14="http://schemas.microsoft.com/office/drawing/2010/main" val="0"/>
+              </a:ext>
+            </a:extLst>
+          </a:blip>
+          <a:stretch>
+            <a:fillRect/>
+          </a:stretch>
+        </p:blipFill>
+        <p:spPr>
+          <a:xfrm>
+            <a:off x="1242251" y="3170806"/>
+            <a:ext cx="5322015" cy="3221220"/>
+          </a:xfrm>
+          <a:prstGeom prst="rect">
+            <a:avLst/>
+          </a:prstGeom>
+        </p:spPr>
+      </p:pic>
     </p:spTree>
     <p:extLst>
       <p:ext uri="{BB962C8B-B14F-4D97-AF65-F5344CB8AC3E}">
@@ -13673,7 +13676,23 @@
                   <a:schemeClr val="bg1"/>
                 </a:solidFill>
               </a:rPr>
-              <a:t>式の音楽ファイルを扱うことにより精密なノーツの排出が出来るようになりプレイヤーに違和感を与えない仕様になってます。</a:t>
+              <a:t>式の音楽ファイルを扱うことにより精密なノー</a:t>
+            </a:r>
+            <a:r>
+              <a:rPr lang="ja-JP" altLang="en-US" dirty="0" smtClean="0">
+                <a:solidFill>
+                  <a:schemeClr val="bg1"/>
+                </a:solidFill>
+              </a:rPr>
+              <a:t>ツ排出の調整が</a:t>
+            </a:r>
+            <a:r>
+              <a:rPr lang="ja-JP" altLang="en-US" dirty="0" smtClean="0">
+                <a:solidFill>
+                  <a:schemeClr val="bg1"/>
+                </a:solidFill>
+              </a:rPr>
+              <a:t>出来るようになりプレイヤーに違和感を与えない仕様になってます。</a:t>
             </a:r>
             <a:endParaRPr kumimoji="1" lang="ja-JP" altLang="en-US" dirty="0">
               <a:solidFill>
@@ -13825,23 +13844,7 @@
                   <a:schemeClr val="bg1"/>
                 </a:solidFill>
               </a:rPr>
-              <a:t>モデ</a:t>
-            </a:r>
-            <a:r>
-              <a:rPr kumimoji="1" lang="ja-JP" altLang="en-US" dirty="0" smtClean="0">
-                <a:solidFill>
-                  <a:schemeClr val="bg1"/>
-                </a:solidFill>
-              </a:rPr>
-              <a:t>ル切</a:t>
-            </a:r>
-            <a:r>
-              <a:rPr kumimoji="1" lang="ja-JP" altLang="en-US" dirty="0" smtClean="0">
-                <a:solidFill>
-                  <a:schemeClr val="bg1"/>
-                </a:solidFill>
-              </a:rPr>
-              <a:t>断をの要素を入れる事により普通の音ゲーとの差別化！</a:t>
+              <a:t>モデル切断をの要素を入れる事により普通の音ゲーとの差別化！</a:t>
             </a:r>
             <a:endParaRPr kumimoji="1" lang="ja-JP" altLang="en-US" dirty="0">
               <a:solidFill>
